--- a/docs/Presentation.pptx
+++ b/docs/Presentation.pptx
@@ -8,6 +8,7 @@
     <p:sldId id="256" r:id="rId2"/>
     <p:sldId id="257" r:id="rId3"/>
     <p:sldId id="258" r:id="rId4"/>
+    <p:sldId id="259" r:id="rId5"/>
   </p:sldIdLst>
   <p:sldSz cx="12192000" cy="6858000"/>
   <p:notesSz cx="6858000" cy="9144000"/>
@@ -106,6 +107,11 @@
       </a:defRPr>
     </a:lvl9pPr>
   </p:defaultTextStyle>
+  <p:extLst>
+    <p:ext uri="{EFAFB233-063F-42B5-8137-9DF3F51BA10A}">
+      <p15:sldGuideLst xmlns:p15="http://schemas.microsoft.com/office/powerpoint/2012/main"/>
+    </p:ext>
+  </p:extLst>
 </p:presentation>
 </file>
 
@@ -437,7 +443,7 @@
             <a:pPr algn="l"/>
             <a:fld id="{0DCFB061-4267-4D9F-8017-6F550D3068DF}" type="datetime1">
               <a:rPr lang="en-US" smtClean="0"/>
-              <a:t>4/5/2023</a:t>
+              <a:t>4/6/2023</a:t>
             </a:fld>
             <a:endParaRPr lang="en-US" dirty="0"/>
           </a:p>
@@ -630,7 +636,7 @@
           <a:p>
             <a:fld id="{8141BC61-5547-4A60-8DA1-6699760D9972}" type="datetime1">
               <a:rPr lang="en-US" smtClean="0"/>
-              <a:t>4/5/2023</a:t>
+              <a:t>4/6/2023</a:t>
             </a:fld>
             <a:endParaRPr lang="en-US" dirty="0"/>
           </a:p>
@@ -815,7 +821,7 @@
           <a:p>
             <a:fld id="{24B9D1C6-60D0-4CD1-8F31-F912522EB041}" type="datetime1">
               <a:rPr lang="en-US" smtClean="0"/>
-              <a:t>4/5/2023</a:t>
+              <a:t>4/6/2023</a:t>
             </a:fld>
             <a:endParaRPr lang="en-US" dirty="0"/>
           </a:p>
@@ -1044,7 +1050,7 @@
           <a:p>
             <a:fld id="{47A4ED5C-5A53-433E-8A55-46F54CE81DA5}" type="datetime1">
               <a:rPr lang="en-US" smtClean="0"/>
-              <a:t>4/5/2023</a:t>
+              <a:t>4/6/2023</a:t>
             </a:fld>
             <a:endParaRPr lang="en-US" dirty="0"/>
           </a:p>
@@ -1371,7 +1377,7 @@
           <a:p>
             <a:fld id="{29CABC0C-B6DF-45E9-B954-11C99AA62C3E}" type="datetime1">
               <a:rPr lang="en-US" smtClean="0"/>
-              <a:t>4/5/2023</a:t>
+              <a:t>4/6/2023</a:t>
             </a:fld>
             <a:endParaRPr lang="en-US" dirty="0"/>
           </a:p>
@@ -1667,7 +1673,7 @@
           <a:p>
             <a:fld id="{A4AB71B9-2624-4F21-93EE-35A78B1A0DAD}" type="datetime1">
               <a:rPr lang="en-US" smtClean="0"/>
-              <a:t>4/5/2023</a:t>
+              <a:t>4/6/2023</a:t>
             </a:fld>
             <a:endParaRPr lang="en-US" dirty="0"/>
           </a:p>
@@ -2088,7 +2094,7 @@
           <a:p>
             <a:fld id="{36D37C2A-BE2E-4840-A907-3254E2916C96}" type="datetime1">
               <a:rPr lang="en-US" smtClean="0"/>
-              <a:t>4/5/2023</a:t>
+              <a:t>4/6/2023</a:t>
             </a:fld>
             <a:endParaRPr lang="en-US" dirty="0"/>
           </a:p>
@@ -2286,7 +2292,7 @@
           <a:p>
             <a:fld id="{005CD215-1C45-48A0-8534-39FFE8A7C95A}" type="datetime1">
               <a:rPr lang="en-US" smtClean="0"/>
-              <a:t>4/5/2023</a:t>
+              <a:t>4/6/2023</a:t>
             </a:fld>
             <a:endParaRPr lang="en-US" dirty="0"/>
           </a:p>
@@ -2395,7 +2401,7 @@
           <a:p>
             <a:fld id="{D3363A0F-DEF3-4134-98D0-2E1276938A8B}" type="datetime1">
               <a:rPr lang="en-US" smtClean="0"/>
-              <a:t>4/5/2023</a:t>
+              <a:t>4/6/2023</a:t>
             </a:fld>
             <a:endParaRPr lang="en-US" dirty="0"/>
           </a:p>
@@ -2816,7 +2822,7 @@
           <a:p>
             <a:fld id="{61A2E4C8-2960-4ADD-862C-4D9643CB15AC}" type="datetime1">
               <a:rPr lang="en-US" smtClean="0"/>
-              <a:t>4/5/2023</a:t>
+              <a:t>4/6/2023</a:t>
             </a:fld>
             <a:endParaRPr lang="en-US" dirty="0"/>
           </a:p>
@@ -3169,7 +3175,7 @@
           <a:p>
             <a:fld id="{48BDEA15-09CD-4275-A8E0-385C965F48B0}" type="datetime1">
               <a:rPr lang="en-US" smtClean="0"/>
-              <a:t>4/5/2023</a:t>
+              <a:t>4/6/2023</a:t>
             </a:fld>
             <a:endParaRPr lang="en-US" dirty="0"/>
           </a:p>
@@ -3474,7 +3480,7 @@
           <a:p>
             <a:fld id="{4AF8082C-0922-4249-A612-B415F5231620}" type="datetime1">
               <a:rPr lang="en-US" smtClean="0"/>
-              <a:t>4/5/2023</a:t>
+              <a:t>4/6/2023</a:t>
             </a:fld>
             <a:endParaRPr lang="en-US" dirty="0"/>
           </a:p>
@@ -5758,6 +5764,60 @@
           </a:bodyPr>
           <a:lstStyle/>
           <a:p>
+            <a:r>
+              <a:rPr lang="en-US" dirty="0">
+                <a:hlinkClick r:id="rId2"/>
+              </a:rPr>
+              <a:t>https://learndjango.com/tutorials/django-signup-tutorial</a:t>
+            </a:r>
+            <a:endParaRPr lang="en-US" dirty="0"/>
+          </a:p>
+          <a:p>
+            <a:r>
+              <a:rPr lang="en-US" dirty="0">
+                <a:hlinkClick r:id="rId3"/>
+              </a:rPr>
+              <a:t>https://learndjango.com/tutorials/django-login-and-logout-tutorial</a:t>
+            </a:r>
+            <a:endParaRPr lang="en-US" dirty="0"/>
+          </a:p>
+          <a:p>
+            <a:r>
+              <a:rPr lang="en-US" dirty="0">
+                <a:hlinkClick r:id="rId4"/>
+              </a:rPr>
+              <a:t>https://getbootstrap.com/docs/5.3/getting-started/introduction/</a:t>
+            </a:r>
+            <a:endParaRPr lang="en-US" dirty="0"/>
+          </a:p>
+          <a:p>
+            <a:r>
+              <a:rPr lang="en-US" dirty="0">
+                <a:hlinkClick r:id="rId5"/>
+              </a:rPr>
+              <a:t>https://docs.djangoproject.com/en/4.2/</a:t>
+            </a:r>
+            <a:endParaRPr lang="en-US" dirty="0"/>
+          </a:p>
+          <a:p>
+            <a:r>
+              <a:rPr lang="en-US" dirty="0">
+                <a:hlinkClick r:id="rId6"/>
+              </a:rPr>
+              <a:t>https://mdbootstrap.com/docs/standard/navigation/navbar/</a:t>
+            </a:r>
+            <a:endParaRPr lang="en-US" dirty="0"/>
+          </a:p>
+          <a:p>
+            <a:r>
+              <a:rPr lang="en-US" dirty="0">
+                <a:hlinkClick r:id="rId7"/>
+              </a:rPr>
+              <a:t>https://www.w3schools.com/django/</a:t>
+            </a:r>
+            <a:endParaRPr lang="en-US" dirty="0"/>
+          </a:p>
+          <a:p>
             <a:endParaRPr lang="en-US" dirty="0"/>
           </a:p>
         </p:txBody>
@@ -5766,6 +5826,89 @@
     <p:extLst>
       <p:ext uri="{BB962C8B-B14F-4D97-AF65-F5344CB8AC3E}">
         <p14:creationId xmlns:p14="http://schemas.microsoft.com/office/powerpoint/2010/main" val="3660174869"/>
+      </p:ext>
+    </p:extLst>
+  </p:cSld>
+  <p:clrMapOvr>
+    <a:masterClrMapping/>
+  </p:clrMapOvr>
+</p:sld>
+</file>
+
+<file path=ppt/slides/slide4.xml><?xml version="1.0" encoding="utf-8"?>
+<p:sld xmlns:a="http://schemas.openxmlformats.org/drawingml/2006/main" xmlns:r="http://schemas.openxmlformats.org/officeDocument/2006/relationships" xmlns:p="http://schemas.openxmlformats.org/presentationml/2006/main">
+  <p:cSld>
+    <p:spTree>
+      <p:nvGrpSpPr>
+        <p:cNvPr id="1" name=""/>
+        <p:cNvGrpSpPr/>
+        <p:nvPr/>
+      </p:nvGrpSpPr>
+      <p:grpSpPr>
+        <a:xfrm>
+          <a:off x="0" y="0"/>
+          <a:ext cx="0" cy="0"/>
+          <a:chOff x="0" y="0"/>
+          <a:chExt cx="0" cy="0"/>
+        </a:xfrm>
+      </p:grpSpPr>
+      <p:sp>
+        <p:nvSpPr>
+          <p:cNvPr id="4" name="Title 3">
+            <a:extLst>
+              <a:ext uri="{FF2B5EF4-FFF2-40B4-BE49-F238E27FC236}">
+                <a16:creationId xmlns:a16="http://schemas.microsoft.com/office/drawing/2014/main" id="{B175923F-90F9-2E02-FA4B-C61E45BF1704}"/>
+              </a:ext>
+            </a:extLst>
+          </p:cNvPr>
+          <p:cNvSpPr>
+            <a:spLocks noGrp="1"/>
+          </p:cNvSpPr>
+          <p:nvPr>
+            <p:ph type="title"/>
+          </p:nvPr>
+        </p:nvSpPr>
+        <p:spPr/>
+        <p:txBody>
+          <a:bodyPr/>
+          <a:lstStyle/>
+          <a:p>
+            <a:r>
+              <a:rPr lang="en-US" dirty="0"/>
+              <a:t>Questions?</a:t>
+            </a:r>
+          </a:p>
+        </p:txBody>
+      </p:sp>
+      <p:sp>
+        <p:nvSpPr>
+          <p:cNvPr id="5" name="Text Placeholder 4">
+            <a:extLst>
+              <a:ext uri="{FF2B5EF4-FFF2-40B4-BE49-F238E27FC236}">
+                <a16:creationId xmlns:a16="http://schemas.microsoft.com/office/drawing/2014/main" id="{A108D721-1E64-B90E-6CA3-BE4BC0AF84B2}"/>
+              </a:ext>
+            </a:extLst>
+          </p:cNvPr>
+          <p:cNvSpPr>
+            <a:spLocks noGrp="1"/>
+          </p:cNvSpPr>
+          <p:nvPr>
+            <p:ph type="body" idx="1"/>
+          </p:nvPr>
+        </p:nvSpPr>
+        <p:spPr/>
+        <p:txBody>
+          <a:bodyPr/>
+          <a:lstStyle/>
+          <a:p>
+            <a:endParaRPr lang="en-US"/>
+          </a:p>
+        </p:txBody>
+      </p:sp>
+    </p:spTree>
+    <p:extLst>
+      <p:ext uri="{BB962C8B-B14F-4D97-AF65-F5344CB8AC3E}">
+        <p14:creationId xmlns:p14="http://schemas.microsoft.com/office/powerpoint/2010/main" val="1712350441"/>
       </p:ext>
     </p:extLst>
   </p:cSld>
